--- a/document/local_file/kien_truc_he_thong.pptx
+++ b/document/local_file/kien_truc_he_thong.pptx
@@ -259,7 +259,7 @@
           <a:p>
             <a:fld id="{0E1B8739-DE43-4C73-ADA3-82B6D0C06A86}" type="datetimeFigureOut">
               <a:rPr lang="en-US" smtClean="0"/>
-              <a:t>11/19/2018</a:t>
+              <a:t>12/25/2018</a:t>
             </a:fld>
             <a:endParaRPr lang="en-US"/>
           </a:p>
@@ -457,7 +457,7 @@
           <a:p>
             <a:fld id="{0E1B8739-DE43-4C73-ADA3-82B6D0C06A86}" type="datetimeFigureOut">
               <a:rPr lang="en-US" smtClean="0"/>
-              <a:t>11/19/2018</a:t>
+              <a:t>12/25/2018</a:t>
             </a:fld>
             <a:endParaRPr lang="en-US"/>
           </a:p>
@@ -665,7 +665,7 @@
           <a:p>
             <a:fld id="{0E1B8739-DE43-4C73-ADA3-82B6D0C06A86}" type="datetimeFigureOut">
               <a:rPr lang="en-US" smtClean="0"/>
-              <a:t>11/19/2018</a:t>
+              <a:t>12/25/2018</a:t>
             </a:fld>
             <a:endParaRPr lang="en-US"/>
           </a:p>
@@ -863,7 +863,7 @@
           <a:p>
             <a:fld id="{0E1B8739-DE43-4C73-ADA3-82B6D0C06A86}" type="datetimeFigureOut">
               <a:rPr lang="en-US" smtClean="0"/>
-              <a:t>11/19/2018</a:t>
+              <a:t>12/25/2018</a:t>
             </a:fld>
             <a:endParaRPr lang="en-US"/>
           </a:p>
@@ -1138,7 +1138,7 @@
           <a:p>
             <a:fld id="{0E1B8739-DE43-4C73-ADA3-82B6D0C06A86}" type="datetimeFigureOut">
               <a:rPr lang="en-US" smtClean="0"/>
-              <a:t>11/19/2018</a:t>
+              <a:t>12/25/2018</a:t>
             </a:fld>
             <a:endParaRPr lang="en-US"/>
           </a:p>
@@ -1403,7 +1403,7 @@
           <a:p>
             <a:fld id="{0E1B8739-DE43-4C73-ADA3-82B6D0C06A86}" type="datetimeFigureOut">
               <a:rPr lang="en-US" smtClean="0"/>
-              <a:t>11/19/2018</a:t>
+              <a:t>12/25/2018</a:t>
             </a:fld>
             <a:endParaRPr lang="en-US"/>
           </a:p>
@@ -1815,7 +1815,7 @@
           <a:p>
             <a:fld id="{0E1B8739-DE43-4C73-ADA3-82B6D0C06A86}" type="datetimeFigureOut">
               <a:rPr lang="en-US" smtClean="0"/>
-              <a:t>11/19/2018</a:t>
+              <a:t>12/25/2018</a:t>
             </a:fld>
             <a:endParaRPr lang="en-US"/>
           </a:p>
@@ -1956,7 +1956,7 @@
           <a:p>
             <a:fld id="{0E1B8739-DE43-4C73-ADA3-82B6D0C06A86}" type="datetimeFigureOut">
               <a:rPr lang="en-US" smtClean="0"/>
-              <a:t>11/19/2018</a:t>
+              <a:t>12/25/2018</a:t>
             </a:fld>
             <a:endParaRPr lang="en-US"/>
           </a:p>
@@ -2069,7 +2069,7 @@
           <a:p>
             <a:fld id="{0E1B8739-DE43-4C73-ADA3-82B6D0C06A86}" type="datetimeFigureOut">
               <a:rPr lang="en-US" smtClean="0"/>
-              <a:t>11/19/2018</a:t>
+              <a:t>12/25/2018</a:t>
             </a:fld>
             <a:endParaRPr lang="en-US"/>
           </a:p>
@@ -2380,7 +2380,7 @@
           <a:p>
             <a:fld id="{0E1B8739-DE43-4C73-ADA3-82B6D0C06A86}" type="datetimeFigureOut">
               <a:rPr lang="en-US" smtClean="0"/>
-              <a:t>11/19/2018</a:t>
+              <a:t>12/25/2018</a:t>
             </a:fld>
             <a:endParaRPr lang="en-US"/>
           </a:p>
@@ -2668,7 +2668,7 @@
           <a:p>
             <a:fld id="{0E1B8739-DE43-4C73-ADA3-82B6D0C06A86}" type="datetimeFigureOut">
               <a:rPr lang="en-US" smtClean="0"/>
-              <a:t>11/19/2018</a:t>
+              <a:t>12/25/2018</a:t>
             </a:fld>
             <a:endParaRPr lang="en-US"/>
           </a:p>
@@ -2909,7 +2909,7 @@
           <a:p>
             <a:fld id="{0E1B8739-DE43-4C73-ADA3-82B6D0C06A86}" type="datetimeFigureOut">
               <a:rPr lang="en-US" smtClean="0"/>
-              <a:t>11/19/2018</a:t>
+              <a:t>12/25/2018</a:t>
             </a:fld>
             <a:endParaRPr lang="en-US"/>
           </a:p>
@@ -3574,7 +3574,7 @@
                       <a14:useLocalDpi xmlns:a14="http://schemas.microsoft.com/office/drawing/2010/main" val="0"/>
                     </a:ext>
                     <a:ext uri="{96DAC541-7B7A-43D3-8B79-37D633B846F1}">
-                      <asvg:svgBlip xmlns:asvg="http://schemas.microsoft.com/office/drawing/2016/SVG/main" xmlns="" r:embed="rId3"/>
+                      <asvg:svgBlip xmlns="" xmlns:asvg="http://schemas.microsoft.com/office/drawing/2016/SVG/main" r:embed="rId3"/>
                     </a:ext>
                   </a:extLst>
                 </a:blip>
@@ -3689,9 +3689,9 @@
         <p:grpSpPr>
           <a:xfrm>
             <a:off x="9484653" y="3083442"/>
-            <a:ext cx="2138137" cy="2719594"/>
+            <a:ext cx="2138137" cy="2746294"/>
             <a:chOff x="9353287" y="3262062"/>
-            <a:chExt cx="2377970" cy="2886532"/>
+            <a:chExt cx="2377970" cy="2914871"/>
           </a:xfrm>
         </p:grpSpPr>
         <p:grpSp>
@@ -3861,8 +3861,8 @@
           </p:nvSpPr>
           <p:spPr>
             <a:xfrm>
-              <a:off x="9661632" y="5686929"/>
-              <a:ext cx="2069625" cy="461665"/>
+              <a:off x="9661631" y="5686929"/>
+              <a:ext cx="2069626" cy="490004"/>
             </a:xfrm>
             <a:prstGeom prst="rect">
               <a:avLst/>
@@ -3876,32 +3876,8 @@
             <a:lstStyle/>
             <a:p>
               <a:r>
-                <a:rPr lang="en-US" sz="2400" dirty="0" err="1"/>
-                <a:t>Cơ</a:t>
-              </a:r>
-              <a:r>
-                <a:rPr lang="en-US" sz="2400" dirty="0"/>
-                <a:t> </a:t>
-              </a:r>
-              <a:r>
-                <a:rPr lang="en-US" sz="2400" dirty="0" err="1"/>
-                <a:t>sở</a:t>
-              </a:r>
-              <a:r>
-                <a:rPr lang="en-US" sz="2400" dirty="0"/>
-                <a:t> </a:t>
-              </a:r>
-              <a:r>
-                <a:rPr lang="en-US" sz="2400" dirty="0" err="1"/>
-                <a:t>dữ</a:t>
-              </a:r>
-              <a:r>
-                <a:rPr lang="en-US" sz="2400" dirty="0"/>
-                <a:t> </a:t>
-              </a:r>
-              <a:r>
-                <a:rPr lang="en-US" sz="2400" dirty="0" err="1"/>
-                <a:t>liệu</a:t>
+                <a:rPr lang="en-US" sz="2400" dirty="0" smtClean="0"/>
+                <a:t>MongoDB</a:t>
               </a:r>
               <a:endParaRPr lang="en-US" sz="2400" dirty="0"/>
             </a:p>
@@ -3923,9 +3899,9 @@
         <p:grpSpPr>
           <a:xfrm>
             <a:off x="5476944" y="2633743"/>
-            <a:ext cx="2482662" cy="3357028"/>
+            <a:ext cx="2482663" cy="3399137"/>
             <a:chOff x="5702975" y="2960429"/>
-            <a:chExt cx="2851235" cy="3693958"/>
+            <a:chExt cx="2851236" cy="3740293"/>
           </a:xfrm>
         </p:grpSpPr>
         <p:grpSp>
@@ -4159,8 +4135,8 @@
           </p:nvSpPr>
           <p:spPr>
             <a:xfrm>
-              <a:off x="6185203" y="6192722"/>
-              <a:ext cx="2369007" cy="461665"/>
+              <a:off x="5907553" y="6192722"/>
+              <a:ext cx="2646658" cy="508000"/>
             </a:xfrm>
             <a:prstGeom prst="rect">
               <a:avLst/>
@@ -4174,9 +4150,18 @@
             <a:lstStyle/>
             <a:p>
               <a:r>
-                <a:rPr lang="en-US" sz="2400" dirty="0"/>
-                <a:t>Server</a:t>
+                <a:rPr lang="en-US" sz="2400" dirty="0" smtClean="0"/>
+                <a:t>Server (</a:t>
               </a:r>
+              <a:r>
+                <a:rPr lang="en-US" sz="2400" dirty="0" err="1" smtClean="0"/>
+                <a:t>Nodejs</a:t>
+              </a:r>
+              <a:r>
+                <a:rPr lang="en-US" sz="2400" dirty="0" smtClean="0"/>
+                <a:t>)</a:t>
+              </a:r>
+              <a:endParaRPr lang="en-US" sz="2400" dirty="0"/>
             </a:p>
           </p:txBody>
         </p:sp>
